--- a/thesis/banner.pptx
+++ b/thesis/banner.pptx
@@ -7635,7 +7635,14 @@
                 <a:latin typeface="Helvetica" panose="020B0604020202020204" pitchFamily="34" charset="0"/>
                 <a:cs typeface="Helvetica" panose="020B0604020202020204" pitchFamily="34" charset="0"/>
               </a:rPr>
-              <a:t>Şekil 1- Harita üzerinde görselleştirme</a:t>
+              <a:t>Şekil 1- Proje </a:t>
+            </a:r>
+            <a:r>
+              <a:rPr lang="tr-TR" sz="2000">
+                <a:latin typeface="Helvetica" panose="020B0604020202020204" pitchFamily="34" charset="0"/>
+                <a:cs typeface="Helvetica" panose="020B0604020202020204" pitchFamily="34" charset="0"/>
+              </a:rPr>
+              <a:t>çalışma mantığı</a:t>
             </a:r>
             <a:endParaRPr lang="en-US" sz="2000" dirty="0">
               <a:latin typeface="Helvetica" panose="020B0604020202020204" pitchFamily="34" charset="0"/>
